--- a/MERGE_Grp5.pptx
+++ b/MERGE_Grp5.pptx
@@ -4349,7 +4349,7 @@
           <a:p>
             <a:fld id="{BB37BDEB-D08A-4BCC-82C3-65677B6346BB}" type="datetimeFigureOut">
               <a:rPr lang="en-US" smtClean="0"/>
-              <a:t>1/12/2021</a:t>
+              <a:t>1/13/2021</a:t>
             </a:fld>
             <a:endParaRPr lang="en-US"/>
           </a:p>
@@ -4526,7 +4526,7 @@
           <a:p>
             <a:fld id="{D64182BB-4E27-4552-8EE4-33C8EF731305}" type="datetimeFigureOut">
               <a:rPr lang="en-US" smtClean="0"/>
-              <a:t>1/12/2021</a:t>
+              <a:t>1/13/2021</a:t>
             </a:fld>
             <a:endParaRPr lang="en-US"/>
           </a:p>
@@ -5031,7 +5031,7 @@
           <a:p>
             <a:fld id="{ED291B17-9318-49DB-B28B-6E5994AE9581}" type="datetime1">
               <a:rPr lang="en-US" smtClean="0"/>
-              <a:t>1/12/2021</a:t>
+              <a:t>1/13/2021</a:t>
             </a:fld>
             <a:endParaRPr lang="en-US" dirty="0"/>
           </a:p>
@@ -5153,13 +5153,13 @@
   <p:clrMapOvr>
     <a:masterClrMapping/>
   </p:clrMapOvr>
-  <mc:AlternateContent xmlns:mc="http://schemas.openxmlformats.org/markup-compatibility/2006">
-    <mc:Choice xmlns:p14="http://schemas.microsoft.com/office/powerpoint/2010/main" Requires="p14">
+  <mc:AlternateContent xmlns:mc="http://schemas.openxmlformats.org/markup-compatibility/2006" xmlns:p14="http://schemas.microsoft.com/office/powerpoint/2010/main">
+    <mc:Choice Requires="p14">
       <p:transition spd="med" p14:dur="700">
         <p:fade/>
       </p:transition>
     </mc:Choice>
-    <mc:Fallback>
+    <mc:Fallback xmlns="">
       <p:transition spd="med">
         <p:fade/>
       </p:transition>
@@ -5202,7 +5202,7 @@
           <a:p>
             <a:fld id="{4EDE50D6-574B-40AF-946F-D52A04ADE379}" type="datetime1">
               <a:rPr lang="en-US" smtClean="0"/>
-              <a:t>1/12/2021</a:t>
+              <a:t>1/13/2021</a:t>
             </a:fld>
             <a:endParaRPr lang="en-US" dirty="0"/>
           </a:p>
@@ -5577,13 +5577,13 @@
   <p:clrMapOvr>
     <a:masterClrMapping/>
   </p:clrMapOvr>
-  <mc:AlternateContent xmlns:mc="http://schemas.openxmlformats.org/markup-compatibility/2006">
-    <mc:Choice xmlns:p14="http://schemas.microsoft.com/office/powerpoint/2010/main" Requires="p14">
+  <mc:AlternateContent xmlns:mc="http://schemas.openxmlformats.org/markup-compatibility/2006" xmlns:p14="http://schemas.microsoft.com/office/powerpoint/2010/main">
+    <mc:Choice Requires="p14">
       <p:transition spd="med" p14:dur="700">
         <p:fade/>
       </p:transition>
     </mc:Choice>
-    <mc:Fallback>
+    <mc:Fallback xmlns="">
       <p:transition spd="med">
         <p:fade/>
       </p:transition>
@@ -5626,7 +5626,7 @@
           <a:p>
             <a:fld id="{4EDE50D6-574B-40AF-946F-D52A04ADE379}" type="datetime1">
               <a:rPr lang="en-US" smtClean="0"/>
-              <a:t>1/12/2021</a:t>
+              <a:t>1/13/2021</a:t>
             </a:fld>
             <a:endParaRPr lang="en-US" dirty="0"/>
           </a:p>
@@ -6065,13 +6065,13 @@
   <p:clrMapOvr>
     <a:masterClrMapping/>
   </p:clrMapOvr>
-  <mc:AlternateContent xmlns:mc="http://schemas.openxmlformats.org/markup-compatibility/2006">
-    <mc:Choice xmlns:p14="http://schemas.microsoft.com/office/powerpoint/2010/main" Requires="p14">
+  <mc:AlternateContent xmlns:mc="http://schemas.openxmlformats.org/markup-compatibility/2006" xmlns:p14="http://schemas.microsoft.com/office/powerpoint/2010/main">
+    <mc:Choice Requires="p14">
       <p:transition spd="med" p14:dur="700">
         <p:fade/>
       </p:transition>
     </mc:Choice>
-    <mc:Fallback>
+    <mc:Fallback xmlns="">
       <p:transition spd="med">
         <p:fade/>
       </p:transition>
@@ -6114,7 +6114,7 @@
           <a:p>
             <a:fld id="{4EDE50D6-574B-40AF-946F-D52A04ADE379}" type="datetime1">
               <a:rPr lang="en-US" smtClean="0"/>
-              <a:t>1/12/2021</a:t>
+              <a:t>1/13/2021</a:t>
             </a:fld>
             <a:endParaRPr lang="en-US" dirty="0"/>
           </a:p>
@@ -6417,13 +6417,13 @@
   <p:clrMapOvr>
     <a:masterClrMapping/>
   </p:clrMapOvr>
-  <mc:AlternateContent xmlns:mc="http://schemas.openxmlformats.org/markup-compatibility/2006">
-    <mc:Choice xmlns:p14="http://schemas.microsoft.com/office/powerpoint/2010/main" Requires="p14">
+  <mc:AlternateContent xmlns:mc="http://schemas.openxmlformats.org/markup-compatibility/2006" xmlns:p14="http://schemas.microsoft.com/office/powerpoint/2010/main">
+    <mc:Choice Requires="p14">
       <p:transition spd="med" p14:dur="700">
         <p:fade/>
       </p:transition>
     </mc:Choice>
-    <mc:Fallback>
+    <mc:Fallback xmlns="">
       <p:transition spd="med">
         <p:fade/>
       </p:transition>
@@ -6575,7 +6575,7 @@
           <a:p>
             <a:fld id="{4EDE50D6-574B-40AF-946F-D52A04ADE379}" type="datetime1">
               <a:rPr lang="en-US" smtClean="0"/>
-              <a:t>1/12/2021</a:t>
+              <a:t>1/13/2021</a:t>
             </a:fld>
             <a:endParaRPr lang="en-US" dirty="0"/>
           </a:p>
@@ -6770,13 +6770,13 @@
   <p:clrMapOvr>
     <a:masterClrMapping/>
   </p:clrMapOvr>
-  <mc:AlternateContent xmlns:mc="http://schemas.openxmlformats.org/markup-compatibility/2006">
-    <mc:Choice xmlns:p14="http://schemas.microsoft.com/office/powerpoint/2010/main" Requires="p14">
+  <mc:AlternateContent xmlns:mc="http://schemas.openxmlformats.org/markup-compatibility/2006" xmlns:p14="http://schemas.microsoft.com/office/powerpoint/2010/main">
+    <mc:Choice Requires="p14">
       <p:transition spd="med" p14:dur="700">
         <p:fade/>
       </p:transition>
     </mc:Choice>
-    <mc:Fallback>
+    <mc:Fallback xmlns="">
       <p:transition spd="med">
         <p:fade/>
       </p:transition>
@@ -6819,7 +6819,7 @@
           <a:p>
             <a:fld id="{4EDE50D6-574B-40AF-946F-D52A04ADE379}" type="datetime1">
               <a:rPr lang="en-US" noProof="0" smtClean="0"/>
-              <a:t>1/12/2021</a:t>
+              <a:t>1/13/2021</a:t>
             </a:fld>
             <a:endParaRPr lang="en-US" noProof="0"/>
           </a:p>
@@ -7203,13 +7203,13 @@
   <p:clrMapOvr>
     <a:masterClrMapping/>
   </p:clrMapOvr>
-  <mc:AlternateContent xmlns:mc="http://schemas.openxmlformats.org/markup-compatibility/2006">
-    <mc:Choice xmlns:p14="http://schemas.microsoft.com/office/powerpoint/2010/main" Requires="p14">
+  <mc:AlternateContent xmlns:mc="http://schemas.openxmlformats.org/markup-compatibility/2006" xmlns:p14="http://schemas.microsoft.com/office/powerpoint/2010/main">
+    <mc:Choice Requires="p14">
       <p:transition spd="med" p14:dur="700">
         <p:fade/>
       </p:transition>
     </mc:Choice>
-    <mc:Fallback>
+    <mc:Fallback xmlns="">
       <p:transition spd="med">
         <p:fade/>
       </p:transition>
@@ -7492,13 +7492,13 @@
   <p:clrMapOvr>
     <a:masterClrMapping/>
   </p:clrMapOvr>
-  <mc:AlternateContent xmlns:mc="http://schemas.openxmlformats.org/markup-compatibility/2006">
-    <mc:Choice xmlns:p14="http://schemas.microsoft.com/office/powerpoint/2010/main" Requires="p14">
+  <mc:AlternateContent xmlns:mc="http://schemas.openxmlformats.org/markup-compatibility/2006" xmlns:p14="http://schemas.microsoft.com/office/powerpoint/2010/main">
+    <mc:Choice Requires="p14">
       <p:transition spd="med" p14:dur="700">
         <p:fade/>
       </p:transition>
     </mc:Choice>
-    <mc:Fallback>
+    <mc:Fallback xmlns="">
       <p:transition spd="med">
         <p:fade/>
       </p:transition>
@@ -7541,7 +7541,7 @@
           <a:p>
             <a:fld id="{4EDE50D6-574B-40AF-946F-D52A04ADE379}" type="datetime1">
               <a:rPr lang="en-US" noProof="0" smtClean="0"/>
-              <a:t>1/12/2021</a:t>
+              <a:t>1/13/2021</a:t>
             </a:fld>
             <a:endParaRPr lang="en-US" noProof="0"/>
           </a:p>
@@ -7861,13 +7861,13 @@
   <p:clrMapOvr>
     <a:masterClrMapping/>
   </p:clrMapOvr>
-  <mc:AlternateContent xmlns:mc="http://schemas.openxmlformats.org/markup-compatibility/2006">
-    <mc:Choice xmlns:p14="http://schemas.microsoft.com/office/powerpoint/2010/main" Requires="p14">
+  <mc:AlternateContent xmlns:mc="http://schemas.openxmlformats.org/markup-compatibility/2006" xmlns:p14="http://schemas.microsoft.com/office/powerpoint/2010/main">
+    <mc:Choice Requires="p14">
       <p:transition spd="med" p14:dur="700">
         <p:fade/>
       </p:transition>
     </mc:Choice>
-    <mc:Fallback>
+    <mc:Fallback xmlns="">
       <p:transition spd="med">
         <p:fade/>
       </p:transition>
@@ -7910,7 +7910,7 @@
           <a:p>
             <a:fld id="{4EDE50D6-574B-40AF-946F-D52A04ADE379}" type="datetime1">
               <a:rPr lang="en-US" noProof="0" smtClean="0"/>
-              <a:t>1/12/2021</a:t>
+              <a:t>1/13/2021</a:t>
             </a:fld>
             <a:endParaRPr lang="en-US" noProof="0"/>
           </a:p>
@@ -8338,13 +8338,13 @@
   <p:clrMapOvr>
     <a:masterClrMapping/>
   </p:clrMapOvr>
-  <mc:AlternateContent xmlns:mc="http://schemas.openxmlformats.org/markup-compatibility/2006">
-    <mc:Choice xmlns:p14="http://schemas.microsoft.com/office/powerpoint/2010/main" Requires="p14">
+  <mc:AlternateContent xmlns:mc="http://schemas.openxmlformats.org/markup-compatibility/2006" xmlns:p14="http://schemas.microsoft.com/office/powerpoint/2010/main">
+    <mc:Choice Requires="p14">
       <p:transition spd="med" p14:dur="700">
         <p:fade/>
       </p:transition>
     </mc:Choice>
-    <mc:Fallback>
+    <mc:Fallback xmlns="">
       <p:transition spd="med">
         <p:fade/>
       </p:transition>
@@ -8484,7 +8484,7 @@
           <a:p>
             <a:fld id="{78DD82B9-B8EE-4375-B6FF-88FA6ABB15D9}" type="datetime1">
               <a:rPr lang="en-US" smtClean="0"/>
-              <a:t>1/12/2021</a:t>
+              <a:t>1/13/2021</a:t>
             </a:fld>
             <a:endParaRPr lang="en-US" dirty="0"/>
           </a:p>
@@ -8606,13 +8606,13 @@
   <p:clrMapOvr>
     <a:masterClrMapping/>
   </p:clrMapOvr>
-  <mc:AlternateContent xmlns:mc="http://schemas.openxmlformats.org/markup-compatibility/2006">
-    <mc:Choice xmlns:p14="http://schemas.microsoft.com/office/powerpoint/2010/main" Requires="p14">
+  <mc:AlternateContent xmlns:mc="http://schemas.openxmlformats.org/markup-compatibility/2006" xmlns:p14="http://schemas.microsoft.com/office/powerpoint/2010/main">
+    <mc:Choice Requires="p14">
       <p:transition spd="med" p14:dur="700">
         <p:fade/>
       </p:transition>
     </mc:Choice>
-    <mc:Fallback>
+    <mc:Fallback xmlns="">
       <p:transition spd="med">
         <p:fade/>
       </p:transition>
@@ -8844,7 +8844,7 @@
           <a:p>
             <a:fld id="{78DD82B9-B8EE-4375-B6FF-88FA6ABB15D9}" type="datetime1">
               <a:rPr lang="en-US" smtClean="0"/>
-              <a:t>1/12/2021</a:t>
+              <a:t>1/13/2021</a:t>
             </a:fld>
             <a:endParaRPr lang="en-US" dirty="0"/>
           </a:p>
@@ -9005,13 +9005,13 @@
   <p:clrMapOvr>
     <a:masterClrMapping/>
   </p:clrMapOvr>
-  <mc:AlternateContent xmlns:mc="http://schemas.openxmlformats.org/markup-compatibility/2006">
-    <mc:Choice xmlns:p14="http://schemas.microsoft.com/office/powerpoint/2010/main" Requires="p14">
+  <mc:AlternateContent xmlns:mc="http://schemas.openxmlformats.org/markup-compatibility/2006" xmlns:p14="http://schemas.microsoft.com/office/powerpoint/2010/main">
+    <mc:Choice Requires="p14">
       <p:transition spd="med" p14:dur="700">
         <p:fade/>
       </p:transition>
     </mc:Choice>
-    <mc:Fallback>
+    <mc:Fallback xmlns="">
       <p:transition spd="med">
         <p:fade/>
       </p:transition>
@@ -9259,7 +9259,7 @@
           <a:p>
             <a:fld id="{B2497495-0637-405E-AE64-5CC7506D51F5}" type="datetime1">
               <a:rPr lang="en-US" smtClean="0"/>
-              <a:t>1/12/2021</a:t>
+              <a:t>1/13/2021</a:t>
             </a:fld>
             <a:endParaRPr lang="en-US" dirty="0"/>
           </a:p>
@@ -9381,13 +9381,13 @@
   <p:clrMapOvr>
     <a:masterClrMapping/>
   </p:clrMapOvr>
-  <mc:AlternateContent xmlns:mc="http://schemas.openxmlformats.org/markup-compatibility/2006">
-    <mc:Choice xmlns:p14="http://schemas.microsoft.com/office/powerpoint/2010/main" Requires="p14">
+  <mc:AlternateContent xmlns:mc="http://schemas.openxmlformats.org/markup-compatibility/2006" xmlns:p14="http://schemas.microsoft.com/office/powerpoint/2010/main">
+    <mc:Choice Requires="p14">
       <p:transition spd="med" p14:dur="700">
         <p:fade/>
       </p:transition>
     </mc:Choice>
-    <mc:Fallback>
+    <mc:Fallback xmlns="">
       <p:transition spd="med">
         <p:fade/>
       </p:transition>
@@ -9564,7 +9564,7 @@
           <a:p>
             <a:fld id="{7BFFD690-9426-415D-8B65-26881E07B2D4}" type="datetime1">
               <a:rPr lang="en-US" smtClean="0"/>
-              <a:t>1/12/2021</a:t>
+              <a:t>1/13/2021</a:t>
             </a:fld>
             <a:endParaRPr lang="en-US" dirty="0"/>
           </a:p>
@@ -9714,13 +9714,13 @@
   <p:clrMapOvr>
     <a:masterClrMapping/>
   </p:clrMapOvr>
-  <mc:AlternateContent xmlns:mc="http://schemas.openxmlformats.org/markup-compatibility/2006">
-    <mc:Choice xmlns:p14="http://schemas.microsoft.com/office/powerpoint/2010/main" Requires="p14">
+  <mc:AlternateContent xmlns:mc="http://schemas.openxmlformats.org/markup-compatibility/2006" xmlns:p14="http://schemas.microsoft.com/office/powerpoint/2010/main">
+    <mc:Choice Requires="p14">
       <p:transition spd="med" p14:dur="700">
         <p:fade/>
       </p:transition>
     </mc:Choice>
-    <mc:Fallback>
+    <mc:Fallback xmlns="">
       <p:transition spd="med">
         <p:fade/>
       </p:transition>
@@ -10070,7 +10070,7 @@
           <a:p>
             <a:fld id="{04C4989A-474C-40DE-95B9-011C28B71673}" type="datetime1">
               <a:rPr lang="en-US" smtClean="0"/>
-              <a:t>1/12/2021</a:t>
+              <a:t>1/13/2021</a:t>
             </a:fld>
             <a:endParaRPr lang="en-US" dirty="0"/>
           </a:p>
@@ -10337,13 +10337,13 @@
   <p:clrMapOvr>
     <a:masterClrMapping/>
   </p:clrMapOvr>
-  <mc:AlternateContent xmlns:mc="http://schemas.openxmlformats.org/markup-compatibility/2006">
-    <mc:Choice xmlns:p14="http://schemas.microsoft.com/office/powerpoint/2010/main" Requires="p14">
+  <mc:AlternateContent xmlns:mc="http://schemas.openxmlformats.org/markup-compatibility/2006" xmlns:p14="http://schemas.microsoft.com/office/powerpoint/2010/main">
+    <mc:Choice Requires="p14">
       <p:transition spd="med" p14:dur="700">
         <p:fade/>
       </p:transition>
     </mc:Choice>
-    <mc:Fallback>
+    <mc:Fallback xmlns="">
       <p:transition spd="med">
         <p:fade/>
       </p:transition>
@@ -10386,7 +10386,7 @@
           <a:p>
             <a:fld id="{5DB4ED54-5B5E-4A04-93D3-5772E3CE3818}" type="datetime1">
               <a:rPr lang="en-US" smtClean="0"/>
-              <a:t>1/12/2021</a:t>
+              <a:t>1/13/2021</a:t>
             </a:fld>
             <a:endParaRPr lang="en-US" dirty="0"/>
           </a:p>
@@ -10536,13 +10536,13 @@
   <p:clrMapOvr>
     <a:masterClrMapping/>
   </p:clrMapOvr>
-  <mc:AlternateContent xmlns:mc="http://schemas.openxmlformats.org/markup-compatibility/2006">
-    <mc:Choice xmlns:p14="http://schemas.microsoft.com/office/powerpoint/2010/main" Requires="p14">
+  <mc:AlternateContent xmlns:mc="http://schemas.openxmlformats.org/markup-compatibility/2006" xmlns:p14="http://schemas.microsoft.com/office/powerpoint/2010/main">
+    <mc:Choice Requires="p14">
       <p:transition spd="med" p14:dur="700">
         <p:fade/>
       </p:transition>
     </mc:Choice>
-    <mc:Fallback>
+    <mc:Fallback xmlns="">
       <p:transition spd="med">
         <p:fade/>
       </p:transition>
@@ -10585,7 +10585,7 @@
           <a:p>
             <a:fld id="{4EDE50D6-574B-40AF-946F-D52A04ADE379}" type="datetime1">
               <a:rPr lang="en-US" smtClean="0"/>
-              <a:t>1/12/2021</a:t>
+              <a:t>1/13/2021</a:t>
             </a:fld>
             <a:endParaRPr lang="en-US" dirty="0"/>
           </a:p>
@@ -10643,13 +10643,13 @@
   <p:clrMapOvr>
     <a:masterClrMapping/>
   </p:clrMapOvr>
-  <mc:AlternateContent xmlns:mc="http://schemas.openxmlformats.org/markup-compatibility/2006">
-    <mc:Choice xmlns:p14="http://schemas.microsoft.com/office/powerpoint/2010/main" Requires="p14">
+  <mc:AlternateContent xmlns:mc="http://schemas.openxmlformats.org/markup-compatibility/2006" xmlns:p14="http://schemas.microsoft.com/office/powerpoint/2010/main">
+    <mc:Choice Requires="p14">
       <p:transition spd="med" p14:dur="700">
         <p:fade/>
       </p:transition>
     </mc:Choice>
-    <mc:Fallback>
+    <mc:Fallback xmlns="">
       <p:transition spd="med">
         <p:fade/>
       </p:transition>
@@ -10809,7 +10809,7 @@
           <a:p>
             <a:fld id="{4EDE50D6-574B-40AF-946F-D52A04ADE379}" type="datetime1">
               <a:rPr lang="en-US" smtClean="0"/>
-              <a:t>1/12/2021</a:t>
+              <a:t>1/13/2021</a:t>
             </a:fld>
             <a:endParaRPr lang="en-US" dirty="0"/>
           </a:p>
@@ -11085,13 +11085,13 @@
   <p:clrMapOvr>
     <a:masterClrMapping/>
   </p:clrMapOvr>
-  <mc:AlternateContent xmlns:mc="http://schemas.openxmlformats.org/markup-compatibility/2006">
-    <mc:Choice xmlns:p14="http://schemas.microsoft.com/office/powerpoint/2010/main" Requires="p14">
+  <mc:AlternateContent xmlns:mc="http://schemas.openxmlformats.org/markup-compatibility/2006" xmlns:p14="http://schemas.microsoft.com/office/powerpoint/2010/main">
+    <mc:Choice Requires="p14">
       <p:transition spd="med" p14:dur="700">
         <p:fade/>
       </p:transition>
     </mc:Choice>
-    <mc:Fallback>
+    <mc:Fallback xmlns="">
       <p:transition spd="med">
         <p:fade/>
       </p:transition>
@@ -11253,7 +11253,7 @@
           <a:p>
             <a:fld id="{ED291B17-9318-49DB-B28B-6E5994AE9581}" type="datetime1">
               <a:rPr lang="en-US" smtClean="0"/>
-              <a:t>1/12/2021</a:t>
+              <a:t>1/13/2021</a:t>
             </a:fld>
             <a:endParaRPr lang="en-US" dirty="0"/>
           </a:p>
@@ -11366,13 +11366,13 @@
     <p:sldLayoutId id="2147483689" r:id="rId16"/>
     <p:sldLayoutId id="2147483690" r:id="rId17"/>
   </p:sldLayoutIdLst>
-  <mc:AlternateContent xmlns:mc="http://schemas.openxmlformats.org/markup-compatibility/2006">
-    <mc:Choice xmlns:p14="http://schemas.microsoft.com/office/powerpoint/2010/main" Requires="p14">
+  <mc:AlternateContent xmlns:mc="http://schemas.openxmlformats.org/markup-compatibility/2006" xmlns:p14="http://schemas.microsoft.com/office/powerpoint/2010/main">
+    <mc:Choice Requires="p14">
       <p:transition spd="med" p14:dur="700">
         <p:fade/>
       </p:transition>
     </mc:Choice>
-    <mc:Fallback>
+    <mc:Fallback xmlns="">
       <p:transition spd="med">
         <p:fade/>
       </p:transition>
@@ -11826,13 +11826,13 @@
   <p:clrMapOvr>
     <a:masterClrMapping/>
   </p:clrMapOvr>
-  <mc:AlternateContent xmlns:mc="http://schemas.openxmlformats.org/markup-compatibility/2006">
-    <mc:Choice xmlns:p14="http://schemas.microsoft.com/office/powerpoint/2010/main" Requires="p14">
+  <mc:AlternateContent xmlns:mc="http://schemas.openxmlformats.org/markup-compatibility/2006" xmlns:p14="http://schemas.microsoft.com/office/powerpoint/2010/main">
+    <mc:Choice Requires="p14">
       <p:transition spd="med" p14:dur="700">
         <p:fade/>
       </p:transition>
     </mc:Choice>
-    <mc:Fallback>
+    <mc:Fallback xmlns="">
       <p:transition spd="med">
         <p:fade/>
       </p:transition>
@@ -12123,13 +12123,13 @@
   <p:clrMapOvr>
     <a:masterClrMapping/>
   </p:clrMapOvr>
-  <mc:AlternateContent xmlns:mc="http://schemas.openxmlformats.org/markup-compatibility/2006">
-    <mc:Choice xmlns:p14="http://schemas.microsoft.com/office/powerpoint/2010/main" Requires="p14">
+  <mc:AlternateContent xmlns:mc="http://schemas.openxmlformats.org/markup-compatibility/2006" xmlns:p14="http://schemas.microsoft.com/office/powerpoint/2010/main">
+    <mc:Choice Requires="p14">
       <p:transition spd="med" p14:dur="700">
         <p:fade/>
       </p:transition>
     </mc:Choice>
-    <mc:Fallback>
+    <mc:Fallback xmlns="">
       <p:transition spd="med">
         <p:fade/>
       </p:transition>
@@ -12223,13 +12223,13 @@
   <p:clrMapOvr>
     <a:masterClrMapping/>
   </p:clrMapOvr>
-  <mc:AlternateContent xmlns:mc="http://schemas.openxmlformats.org/markup-compatibility/2006">
-    <mc:Choice xmlns:p14="http://schemas.microsoft.com/office/powerpoint/2010/main" Requires="p14">
+  <mc:AlternateContent xmlns:mc="http://schemas.openxmlformats.org/markup-compatibility/2006" xmlns:p14="http://schemas.microsoft.com/office/powerpoint/2010/main">
+    <mc:Choice Requires="p14">
       <p:transition spd="med" p14:dur="700">
         <p:fade/>
       </p:transition>
     </mc:Choice>
-    <mc:Fallback>
+    <mc:Fallback xmlns="">
       <p:transition spd="med">
         <p:fade/>
       </p:transition>
@@ -12420,13 +12420,13 @@
   <p:clrMapOvr>
     <a:masterClrMapping/>
   </p:clrMapOvr>
-  <mc:AlternateContent xmlns:mc="http://schemas.openxmlformats.org/markup-compatibility/2006">
-    <mc:Choice xmlns:p14="http://schemas.microsoft.com/office/powerpoint/2010/main" Requires="p14">
+  <mc:AlternateContent xmlns:mc="http://schemas.openxmlformats.org/markup-compatibility/2006" xmlns:p14="http://schemas.microsoft.com/office/powerpoint/2010/main">
+    <mc:Choice Requires="p14">
       <p:transition spd="med" p14:dur="700">
         <p:fade/>
       </p:transition>
     </mc:Choice>
-    <mc:Fallback>
+    <mc:Fallback xmlns="">
       <p:transition spd="med">
         <p:fade/>
       </p:transition>
@@ -12827,13 +12827,13 @@
   <p:clrMapOvr>
     <a:masterClrMapping/>
   </p:clrMapOvr>
-  <mc:AlternateContent xmlns:mc="http://schemas.openxmlformats.org/markup-compatibility/2006">
-    <mc:Choice xmlns:p14="http://schemas.microsoft.com/office/powerpoint/2010/main" Requires="p14">
+  <mc:AlternateContent xmlns:mc="http://schemas.openxmlformats.org/markup-compatibility/2006" xmlns:p14="http://schemas.microsoft.com/office/powerpoint/2010/main">
+    <mc:Choice Requires="p14">
       <p:transition spd="med" p14:dur="700">
         <p:fade/>
       </p:transition>
     </mc:Choice>
-    <mc:Fallback>
+    <mc:Fallback xmlns="">
       <p:transition spd="med">
         <p:fade/>
       </p:transition>
@@ -13001,13 +13001,13 @@
   <p:clrMapOvr>
     <a:masterClrMapping/>
   </p:clrMapOvr>
-  <mc:AlternateContent xmlns:mc="http://schemas.openxmlformats.org/markup-compatibility/2006">
-    <mc:Choice xmlns:p14="http://schemas.microsoft.com/office/powerpoint/2010/main" Requires="p14">
+  <mc:AlternateContent xmlns:mc="http://schemas.openxmlformats.org/markup-compatibility/2006" xmlns:p14="http://schemas.microsoft.com/office/powerpoint/2010/main">
+    <mc:Choice Requires="p14">
       <p:transition spd="med" p14:dur="700">
         <p:fade/>
       </p:transition>
     </mc:Choice>
-    <mc:Fallback>
+    <mc:Fallback xmlns="">
       <p:transition spd="med">
         <p:fade/>
       </p:transition>
@@ -13417,13 +13417,13 @@
   <p:clrMapOvr>
     <a:masterClrMapping/>
   </p:clrMapOvr>
-  <mc:AlternateContent xmlns:mc="http://schemas.openxmlformats.org/markup-compatibility/2006">
-    <mc:Choice xmlns:p14="http://schemas.microsoft.com/office/powerpoint/2010/main" Requires="p14">
+  <mc:AlternateContent xmlns:mc="http://schemas.openxmlformats.org/markup-compatibility/2006" xmlns:p14="http://schemas.microsoft.com/office/powerpoint/2010/main">
+    <mc:Choice Requires="p14">
       <p:transition spd="med" p14:dur="700">
         <p:fade/>
       </p:transition>
     </mc:Choice>
-    <mc:Fallback>
+    <mc:Fallback xmlns="">
       <p:transition spd="med">
         <p:fade/>
       </p:transition>
@@ -13677,13 +13677,13 @@
   <p:clrMapOvr>
     <a:masterClrMapping/>
   </p:clrMapOvr>
-  <mc:AlternateContent xmlns:mc="http://schemas.openxmlformats.org/markup-compatibility/2006">
-    <mc:Choice xmlns:p14="http://schemas.microsoft.com/office/powerpoint/2010/main" Requires="p14">
+  <mc:AlternateContent xmlns:mc="http://schemas.openxmlformats.org/markup-compatibility/2006" xmlns:p14="http://schemas.microsoft.com/office/powerpoint/2010/main">
+    <mc:Choice Requires="p14">
       <p:transition spd="med" p14:dur="700">
         <p:fade/>
       </p:transition>
     </mc:Choice>
-    <mc:Fallback>
+    <mc:Fallback xmlns="">
       <p:transition spd="med">
         <p:fade/>
       </p:transition>
@@ -13783,13 +13783,13 @@
   <p:clrMapOvr>
     <a:masterClrMapping/>
   </p:clrMapOvr>
-  <mc:AlternateContent xmlns:mc="http://schemas.openxmlformats.org/markup-compatibility/2006">
-    <mc:Choice xmlns:p14="http://schemas.microsoft.com/office/powerpoint/2010/main" Requires="p14">
+  <mc:AlternateContent xmlns:mc="http://schemas.openxmlformats.org/markup-compatibility/2006" xmlns:p14="http://schemas.microsoft.com/office/powerpoint/2010/main">
+    <mc:Choice Requires="p14">
       <p:transition spd="med" p14:dur="700">
         <p:fade/>
       </p:transition>
     </mc:Choice>
-    <mc:Fallback>
+    <mc:Fallback xmlns="">
       <p:transition spd="med">
         <p:fade/>
       </p:transition>
@@ -13884,13 +13884,13 @@
   <p:clrMapOvr>
     <a:masterClrMapping/>
   </p:clrMapOvr>
-  <mc:AlternateContent xmlns:mc="http://schemas.openxmlformats.org/markup-compatibility/2006">
-    <mc:Choice xmlns:p14="http://schemas.microsoft.com/office/powerpoint/2010/main" Requires="p14">
+  <mc:AlternateContent xmlns:mc="http://schemas.openxmlformats.org/markup-compatibility/2006" xmlns:p14="http://schemas.microsoft.com/office/powerpoint/2010/main">
+    <mc:Choice Requires="p14">
       <p:transition spd="med" p14:dur="700">
         <p:fade/>
       </p:transition>
     </mc:Choice>
-    <mc:Fallback>
+    <mc:Fallback xmlns="">
       <p:transition spd="med">
         <p:fade/>
       </p:transition>
@@ -14010,15 +14010,10 @@
           </a:p>
           <a:p>
             <a:r>
-              <a:rPr lang="en-US" sz="2400" dirty="0"/>
+              <a:rPr lang="en-US" sz="2400"/>
               <a:t>MERGE CONFLICT</a:t>
             </a:r>
-          </a:p>
-          <a:p>
-            <a:r>
-              <a:rPr lang="en-US" sz="2400" dirty="0"/>
-              <a:t>REFERENCES</a:t>
-            </a:r>
+            <a:endParaRPr lang="en-US" sz="2400" dirty="0"/>
           </a:p>
           <a:p>
             <a:r>
@@ -14038,13 +14033,13 @@
   <p:clrMapOvr>
     <a:masterClrMapping/>
   </p:clrMapOvr>
-  <mc:AlternateContent xmlns:mc="http://schemas.openxmlformats.org/markup-compatibility/2006">
-    <mc:Choice xmlns:p14="http://schemas.microsoft.com/office/powerpoint/2010/main" Requires="p14">
+  <mc:AlternateContent xmlns:mc="http://schemas.openxmlformats.org/markup-compatibility/2006" xmlns:p14="http://schemas.microsoft.com/office/powerpoint/2010/main">
+    <mc:Choice Requires="p14">
       <p:transition spd="med" p14:dur="700">
         <p:fade/>
       </p:transition>
     </mc:Choice>
-    <mc:Fallback>
+    <mc:Fallback xmlns="">
       <p:transition spd="med">
         <p:fade/>
       </p:transition>
@@ -14193,13 +14188,13 @@
   <p:clrMapOvr>
     <a:masterClrMapping/>
   </p:clrMapOvr>
-  <mc:AlternateContent xmlns:mc="http://schemas.openxmlformats.org/markup-compatibility/2006">
-    <mc:Choice xmlns:p14="http://schemas.microsoft.com/office/powerpoint/2010/main" Requires="p14">
+  <mc:AlternateContent xmlns:mc="http://schemas.openxmlformats.org/markup-compatibility/2006" xmlns:p14="http://schemas.microsoft.com/office/powerpoint/2010/main">
+    <mc:Choice Requires="p14">
       <p:transition spd="med" p14:dur="700">
         <p:fade/>
       </p:transition>
     </mc:Choice>
-    <mc:Fallback>
+    <mc:Fallback xmlns="">
       <p:transition spd="med">
         <p:fade/>
       </p:transition>
@@ -14338,13 +14333,13 @@
   <p:clrMapOvr>
     <a:masterClrMapping/>
   </p:clrMapOvr>
-  <mc:AlternateContent xmlns:mc="http://schemas.openxmlformats.org/markup-compatibility/2006">
-    <mc:Choice xmlns:p14="http://schemas.microsoft.com/office/powerpoint/2010/main" Requires="p14">
+  <mc:AlternateContent xmlns:mc="http://schemas.openxmlformats.org/markup-compatibility/2006" xmlns:p14="http://schemas.microsoft.com/office/powerpoint/2010/main">
+    <mc:Choice Requires="p14">
       <p:transition spd="med" p14:dur="700">
         <p:fade/>
       </p:transition>
     </mc:Choice>
-    <mc:Fallback>
+    <mc:Fallback xmlns="">
       <p:transition spd="med">
         <p:fade/>
       </p:transition>
@@ -14596,13 +14591,13 @@
   <p:clrMapOvr>
     <a:masterClrMapping/>
   </p:clrMapOvr>
-  <mc:AlternateContent xmlns:mc="http://schemas.openxmlformats.org/markup-compatibility/2006">
-    <mc:Choice xmlns:p14="http://schemas.microsoft.com/office/powerpoint/2010/main" Requires="p14">
+  <mc:AlternateContent xmlns:mc="http://schemas.openxmlformats.org/markup-compatibility/2006" xmlns:p14="http://schemas.microsoft.com/office/powerpoint/2010/main">
+    <mc:Choice Requires="p14">
       <p:transition spd="med" p14:dur="700">
         <p:fade/>
       </p:transition>
     </mc:Choice>
-    <mc:Fallback>
+    <mc:Fallback xmlns="">
       <p:transition spd="med">
         <p:fade/>
       </p:transition>
@@ -14793,13 +14788,13 @@
   <p:clrMapOvr>
     <a:masterClrMapping/>
   </p:clrMapOvr>
-  <mc:AlternateContent xmlns:mc="http://schemas.openxmlformats.org/markup-compatibility/2006">
-    <mc:Choice xmlns:p14="http://schemas.microsoft.com/office/powerpoint/2010/main" Requires="p14">
+  <mc:AlternateContent xmlns:mc="http://schemas.openxmlformats.org/markup-compatibility/2006" xmlns:p14="http://schemas.microsoft.com/office/powerpoint/2010/main">
+    <mc:Choice Requires="p14">
       <p:transition spd="med" p14:dur="700">
         <p:fade/>
       </p:transition>
     </mc:Choice>
-    <mc:Fallback>
+    <mc:Fallback xmlns="">
       <p:transition spd="med">
         <p:fade/>
       </p:transition>
@@ -15008,13 +15003,13 @@
   <p:clrMapOvr>
     <a:masterClrMapping/>
   </p:clrMapOvr>
-  <mc:AlternateContent xmlns:mc="http://schemas.openxmlformats.org/markup-compatibility/2006">
-    <mc:Choice xmlns:p14="http://schemas.microsoft.com/office/powerpoint/2010/main" Requires="p14">
+  <mc:AlternateContent xmlns:mc="http://schemas.openxmlformats.org/markup-compatibility/2006" xmlns:p14="http://schemas.microsoft.com/office/powerpoint/2010/main">
+    <mc:Choice Requires="p14">
       <p:transition spd="med" p14:dur="700">
         <p:fade/>
       </p:transition>
     </mc:Choice>
-    <mc:Fallback>
+    <mc:Fallback xmlns="">
       <p:transition spd="med">
         <p:fade/>
       </p:transition>
@@ -15224,13 +15219,13 @@
   <p:clrMapOvr>
     <a:masterClrMapping/>
   </p:clrMapOvr>
-  <mc:AlternateContent xmlns:mc="http://schemas.openxmlformats.org/markup-compatibility/2006">
-    <mc:Choice xmlns:p14="http://schemas.microsoft.com/office/powerpoint/2010/main" Requires="p14">
+  <mc:AlternateContent xmlns:mc="http://schemas.openxmlformats.org/markup-compatibility/2006" xmlns:p14="http://schemas.microsoft.com/office/powerpoint/2010/main">
+    <mc:Choice Requires="p14">
       <p:transition spd="med" p14:dur="700">
         <p:fade/>
       </p:transition>
     </mc:Choice>
-    <mc:Fallback>
+    <mc:Fallback xmlns="">
       <p:transition spd="med">
         <p:fade/>
       </p:transition>
@@ -16095,21 +16090,21 @@
 </file>
 
 <file path=customXml/item1.xml><?xml version="1.0" encoding="utf-8"?>
+<p:properties xmlns:p="http://schemas.microsoft.com/office/2006/metadata/properties" xmlns:xsi="http://www.w3.org/2001/XMLSchema-instance" xmlns:pc="http://schemas.microsoft.com/office/infopath/2007/PartnerControls">
+  <documentManagement>
+    <Status xmlns="71af3243-3dd4-4a8d-8c0d-dd76da1f02a5">Not started</Status>
+    <MediaServiceKeyPoints xmlns="71af3243-3dd4-4a8d-8c0d-dd76da1f02a5" xsi:nil="true"/>
+  </documentManagement>
+</p:properties>
+</file>
+
+<file path=customXml/item2.xml><?xml version="1.0" encoding="utf-8"?>
 <?mso-contentType ?>
 <FormTemplates xmlns="http://schemas.microsoft.com/sharepoint/v3/contenttype/forms">
   <Display>DocumentLibraryForm</Display>
   <Edit>DocumentLibraryForm</Edit>
   <New>DocumentLibraryForm</New>
 </FormTemplates>
-</file>
-
-<file path=customXml/item2.xml><?xml version="1.0" encoding="utf-8"?>
-<p:properties xmlns:p="http://schemas.microsoft.com/office/2006/metadata/properties" xmlns:xsi="http://www.w3.org/2001/XMLSchema-instance" xmlns:pc="http://schemas.microsoft.com/office/infopath/2007/PartnerControls">
-  <documentManagement>
-    <Status xmlns="71af3243-3dd4-4a8d-8c0d-dd76da1f02a5">Not started</Status>
-    <MediaServiceKeyPoints xmlns="71af3243-3dd4-4a8d-8c0d-dd76da1f02a5" xsi:nil="true"/>
-  </documentManagement>
-</p:properties>
 </file>
 
 <file path=customXml/item3.xml><?xml version="1.0" encoding="utf-8"?>
@@ -16334,19 +16329,19 @@
 </file>
 
 <file path=customXml/itemProps1.xml><?xml version="1.0" encoding="utf-8"?>
-<ds:datastoreItem xmlns:ds="http://schemas.openxmlformats.org/officeDocument/2006/customXml" ds:itemID="{8435A0B9-5F49-415F-9BEE-591FDACE98D1}">
+<ds:datastoreItem xmlns:ds="http://schemas.openxmlformats.org/officeDocument/2006/customXml" ds:itemID="{ADC43B05-D266-4257-98DE-FF9D8CEDAE76}">
   <ds:schemaRefs>
-    <ds:schemaRef ds:uri="http://schemas.microsoft.com/sharepoint/v3/contenttype/forms"/>
+    <ds:schemaRef ds:uri="http://schemas.microsoft.com/office/2006/metadata/properties"/>
+    <ds:schemaRef ds:uri="http://schemas.microsoft.com/office/infopath/2007/PartnerControls"/>
+    <ds:schemaRef ds:uri="71af3243-3dd4-4a8d-8c0d-dd76da1f02a5"/>
   </ds:schemaRefs>
 </ds:datastoreItem>
 </file>
 
 <file path=customXml/itemProps2.xml><?xml version="1.0" encoding="utf-8"?>
-<ds:datastoreItem xmlns:ds="http://schemas.openxmlformats.org/officeDocument/2006/customXml" ds:itemID="{ADC43B05-D266-4257-98DE-FF9D8CEDAE76}">
+<ds:datastoreItem xmlns:ds="http://schemas.openxmlformats.org/officeDocument/2006/customXml" ds:itemID="{8435A0B9-5F49-415F-9BEE-591FDACE98D1}">
   <ds:schemaRefs>
-    <ds:schemaRef ds:uri="http://schemas.microsoft.com/office/2006/metadata/properties"/>
-    <ds:schemaRef ds:uri="http://schemas.microsoft.com/office/infopath/2007/PartnerControls"/>
-    <ds:schemaRef ds:uri="71af3243-3dd4-4a8d-8c0d-dd76da1f02a5"/>
+    <ds:schemaRef ds:uri="http://schemas.microsoft.com/sharepoint/v3/contenttype/forms"/>
   </ds:schemaRefs>
 </ds:datastoreItem>
 </file>

--- a/MERGE_Grp5.pptx
+++ b/MERGE_Grp5.pptx
@@ -11921,7 +11921,12 @@
             <p:ph type="title"/>
           </p:nvPr>
         </p:nvSpPr>
-        <p:spPr/>
+        <p:spPr>
+          <a:xfrm>
+            <a:off x="581192" y="724350"/>
+            <a:ext cx="11029616" cy="740156"/>
+          </a:xfrm>
+        </p:spPr>
         <p:txBody>
           <a:bodyPr/>
           <a:lstStyle/>
@@ -12084,13 +12089,18 @@
         </p:nvSpPr>
         <p:spPr>
           <a:xfrm>
-            <a:off x="543521" y="1609999"/>
-            <a:ext cx="3858930" cy="400110"/>
+            <a:off x="581192" y="1609999"/>
+            <a:ext cx="3049775" cy="400110"/>
           </a:xfrm>
           <a:prstGeom prst="rect">
             <a:avLst/>
           </a:prstGeom>
           <a:noFill/>
+          <a:ln>
+            <a:solidFill>
+              <a:schemeClr val="tx1"/>
+            </a:solidFill>
+          </a:ln>
         </p:spPr>
         <p:txBody>
           <a:bodyPr wrap="square" rtlCol="0">
@@ -12382,12 +12392,17 @@
         <p:spPr>
           <a:xfrm>
             <a:off x="7297445" y="1846555"/>
-            <a:ext cx="3382392" cy="400110"/>
+            <a:ext cx="3062796" cy="400110"/>
           </a:xfrm>
           <a:prstGeom prst="rect">
             <a:avLst/>
           </a:prstGeom>
           <a:noFill/>
+          <a:ln>
+            <a:solidFill>
+              <a:schemeClr val="tx1"/>
+            </a:solidFill>
+          </a:ln>
         </p:spPr>
         <p:txBody>
           <a:bodyPr wrap="square" rtlCol="0">
@@ -14010,16 +14025,16 @@
           </a:p>
           <a:p>
             <a:r>
+              <a:rPr lang="en-US" sz="2400" dirty="0"/>
+              <a:t>MERGE CONFLICT</a:t>
+            </a:r>
+          </a:p>
+          <a:p>
+            <a:r>
               <a:rPr lang="en-US" sz="2400"/>
-              <a:t>MERGE CONFLICT</a:t>
+              <a:t>VOTE OF THANKS.</a:t>
             </a:r>
             <a:endParaRPr lang="en-US" sz="2400" dirty="0"/>
-          </a:p>
-          <a:p>
-            <a:r>
-              <a:rPr lang="en-US" sz="2400" dirty="0"/>
-              <a:t>THANKS of vote.</a:t>
-            </a:r>
           </a:p>
         </p:txBody>
       </p:sp>
@@ -14383,8 +14398,8 @@
         </p:nvSpPr>
         <p:spPr>
           <a:xfrm>
-            <a:off x="301841" y="2720636"/>
-            <a:ext cx="4142569" cy="3634317"/>
+            <a:off x="394761" y="4025654"/>
+            <a:ext cx="4142569" cy="2472801"/>
           </a:xfrm>
         </p:spPr>
         <p:txBody>
@@ -14459,13 +14474,18 @@
         </p:nvSpPr>
         <p:spPr>
           <a:xfrm>
-            <a:off x="750520" y="2244772"/>
+            <a:off x="450986" y="2832346"/>
             <a:ext cx="3151697" cy="400110"/>
           </a:xfrm>
           <a:prstGeom prst="rect">
             <a:avLst/>
           </a:prstGeom>
           <a:noFill/>
+          <a:ln>
+            <a:solidFill>
+              <a:schemeClr val="tx1"/>
+            </a:solidFill>
+          </a:ln>
         </p:spPr>
         <p:txBody>
           <a:bodyPr wrap="square" rtlCol="0">
@@ -14560,8 +14580,8 @@
         </p:nvSpPr>
         <p:spPr>
           <a:xfrm>
-            <a:off x="6525086" y="1430252"/>
-            <a:ext cx="3417903" cy="369332"/>
+            <a:off x="9235112" y="2275550"/>
+            <a:ext cx="2794131" cy="369332"/>
           </a:xfrm>
           <a:prstGeom prst="rect">
             <a:avLst/>
@@ -14979,6 +14999,11 @@
             <a:avLst/>
           </a:prstGeom>
           <a:noFill/>
+          <a:ln>
+            <a:solidFill>
+              <a:schemeClr val="tx1"/>
+            </a:solidFill>
+          </a:ln>
         </p:spPr>
         <p:txBody>
           <a:bodyPr wrap="square" rtlCol="0">
